--- a/lectures/CC-04-Dict.pptx
+++ b/lectures/CC-04-Dict.pptx
@@ -3465,9 +3465,25 @@
         </p:nvSpPr>
         <p:spPr/>
         <p:txBody>
-          <a:bodyPr/>
-          <a:lstStyle/>
-          <a:p>
+          <a:bodyPr>
+            <a:normAutofit/>
+          </a:bodyPr>
+          <a:lstStyle/>
+          <a:p>
+            <a:r>
+              <a:rPr lang="en-US" dirty="0"/>
+              <a:t>Inspiration</a:t>
+            </a:r>
+          </a:p>
+          <a:p>
+            <a:pPr lvl="1"/>
+            <a:r>
+              <a:rPr lang="en-US" dirty="0"/>
+              <a:t>Python dictionary</a:t>
+            </a:r>
+          </a:p>
+          <a:p>
+            <a:pPr lvl="1"/>
             <a:r>
               <a:rPr lang="en-US" dirty="0"/>
               <a:t>Java Map&lt;String, Integer&gt;</a:t>
@@ -3480,6 +3496,7 @@
             </a:r>
           </a:p>
           <a:p>
+            <a:pPr lvl="1"/>
             <a:r>
               <a:rPr lang="en-US" dirty="0"/>
               <a:t>Put, Get, Delete</a:t>
@@ -3487,14 +3504,12 @@
           </a:p>
           <a:p>
             <a:r>
+              <a:rPr lang="en-US"/>
+              <a:t>Iterator </a:t>
+            </a:r>
+            <a:r>
               <a:rPr lang="en-US" dirty="0"/>
-              <a:t>Chaining pattern (like jQuery)</a:t>
-            </a:r>
-          </a:p>
-          <a:p>
-            <a:r>
-              <a:rPr lang="en-US" dirty="0"/>
-              <a:t>Iterator Pattern</a:t>
+              <a:t>Pattern</a:t>
             </a:r>
           </a:p>
           <a:p>

--- a/lectures/CC-04-Dict.pptx
+++ b/lectures/CC-04-Dict.pptx
@@ -260,7 +260,7 @@
           <a:p>
             <a:fld id="{D5D8E255-8371-B349-B2F5-F8C6C9FF431B}" type="datetimeFigureOut">
               <a:rPr lang="en-US" smtClean="0"/>
-              <a:t>3/1/23</a:t>
+              <a:t>3/2/23</a:t>
             </a:fld>
             <a:endParaRPr lang="en-US"/>
           </a:p>
@@ -458,7 +458,7 @@
           <a:p>
             <a:fld id="{D5D8E255-8371-B349-B2F5-F8C6C9FF431B}" type="datetimeFigureOut">
               <a:rPr lang="en-US" smtClean="0"/>
-              <a:t>3/1/23</a:t>
+              <a:t>3/2/23</a:t>
             </a:fld>
             <a:endParaRPr lang="en-US"/>
           </a:p>
@@ -666,7 +666,7 @@
           <a:p>
             <a:fld id="{D5D8E255-8371-B349-B2F5-F8C6C9FF431B}" type="datetimeFigureOut">
               <a:rPr lang="en-US" smtClean="0"/>
-              <a:t>3/1/23</a:t>
+              <a:t>3/2/23</a:t>
             </a:fld>
             <a:endParaRPr lang="en-US"/>
           </a:p>
@@ -864,7 +864,7 @@
           <a:p>
             <a:fld id="{D5D8E255-8371-B349-B2F5-F8C6C9FF431B}" type="datetimeFigureOut">
               <a:rPr lang="en-US" smtClean="0"/>
-              <a:t>3/1/23</a:t>
+              <a:t>3/2/23</a:t>
             </a:fld>
             <a:endParaRPr lang="en-US"/>
           </a:p>
@@ -1139,7 +1139,7 @@
           <a:p>
             <a:fld id="{D5D8E255-8371-B349-B2F5-F8C6C9FF431B}" type="datetimeFigureOut">
               <a:rPr lang="en-US" smtClean="0"/>
-              <a:t>3/1/23</a:t>
+              <a:t>3/2/23</a:t>
             </a:fld>
             <a:endParaRPr lang="en-US"/>
           </a:p>
@@ -1404,7 +1404,7 @@
           <a:p>
             <a:fld id="{D5D8E255-8371-B349-B2F5-F8C6C9FF431B}" type="datetimeFigureOut">
               <a:rPr lang="en-US" smtClean="0"/>
-              <a:t>3/1/23</a:t>
+              <a:t>3/2/23</a:t>
             </a:fld>
             <a:endParaRPr lang="en-US"/>
           </a:p>
@@ -1816,7 +1816,7 @@
           <a:p>
             <a:fld id="{D5D8E255-8371-B349-B2F5-F8C6C9FF431B}" type="datetimeFigureOut">
               <a:rPr lang="en-US" smtClean="0"/>
-              <a:t>3/1/23</a:t>
+              <a:t>3/2/23</a:t>
             </a:fld>
             <a:endParaRPr lang="en-US"/>
           </a:p>
@@ -1957,7 +1957,7 @@
           <a:p>
             <a:fld id="{D5D8E255-8371-B349-B2F5-F8C6C9FF431B}" type="datetimeFigureOut">
               <a:rPr lang="en-US" smtClean="0"/>
-              <a:t>3/1/23</a:t>
+              <a:t>3/2/23</a:t>
             </a:fld>
             <a:endParaRPr lang="en-US"/>
           </a:p>
@@ -2070,7 +2070,7 @@
           <a:p>
             <a:fld id="{D5D8E255-8371-B349-B2F5-F8C6C9FF431B}" type="datetimeFigureOut">
               <a:rPr lang="en-US" smtClean="0"/>
-              <a:t>3/1/23</a:t>
+              <a:t>3/2/23</a:t>
             </a:fld>
             <a:endParaRPr lang="en-US"/>
           </a:p>
@@ -2381,7 +2381,7 @@
           <a:p>
             <a:fld id="{D5D8E255-8371-B349-B2F5-F8C6C9FF431B}" type="datetimeFigureOut">
               <a:rPr lang="en-US" smtClean="0"/>
-              <a:t>3/1/23</a:t>
+              <a:t>3/2/23</a:t>
             </a:fld>
             <a:endParaRPr lang="en-US"/>
           </a:p>
@@ -2669,7 +2669,7 @@
           <a:p>
             <a:fld id="{D5D8E255-8371-B349-B2F5-F8C6C9FF431B}" type="datetimeFigureOut">
               <a:rPr lang="en-US" smtClean="0"/>
-              <a:t>3/1/23</a:t>
+              <a:t>3/2/23</a:t>
             </a:fld>
             <a:endParaRPr lang="en-US"/>
           </a:p>
@@ -2910,7 +2910,7 @@
           <a:p>
             <a:fld id="{D5D8E255-8371-B349-B2F5-F8C6C9FF431B}" type="datetimeFigureOut">
               <a:rPr lang="en-US" smtClean="0"/>
-              <a:t>3/1/23</a:t>
+              <a:t>3/2/23</a:t>
             </a:fld>
             <a:endParaRPr lang="en-US"/>
           </a:p>
@@ -3350,7 +3350,7 @@
           <a:p>
             <a:r>
               <a:rPr lang="en-US" dirty="0"/>
-              <a:t>Data Structures</a:t>
+              <a:t>A Data Structure</a:t>
             </a:r>
           </a:p>
         </p:txBody>
@@ -3442,7 +3442,7 @@
           <a:p>
             <a:r>
               <a:rPr lang="en-US" dirty="0"/>
-              <a:t>Our Data Structure</a:t>
+              <a:t>Our Data Structure – Key / Value Pairs</a:t>
             </a:r>
           </a:p>
         </p:txBody>
@@ -3466,7 +3466,7 @@
         <p:spPr/>
         <p:txBody>
           <a:bodyPr>
-            <a:normAutofit/>
+            <a:normAutofit lnSpcReduction="10000"/>
           </a:bodyPr>
           <a:lstStyle/>
           <a:p>
@@ -3479,6 +3479,13 @@
             <a:pPr lvl="1"/>
             <a:r>
               <a:rPr lang="en-US" dirty="0"/>
+              <a:t>Java Map&lt;String, Integer&gt;</a:t>
+            </a:r>
+          </a:p>
+          <a:p>
+            <a:pPr lvl="1"/>
+            <a:r>
+              <a:rPr lang="en-US" dirty="0"/>
               <a:t>Python dictionary</a:t>
             </a:r>
           </a:p>
@@ -3486,7 +3493,7 @@
             <a:pPr lvl="1"/>
             <a:r>
               <a:rPr lang="en-US" dirty="0"/>
-              <a:t>Java Map&lt;String, Integer&gt;</a:t>
+              <a:t>PHP Arrays</a:t>
             </a:r>
           </a:p>
           <a:p>
@@ -3504,31 +3511,35 @@
           </a:p>
           <a:p>
             <a:r>
-              <a:rPr lang="en-US"/>
-              <a:t>Iterator </a:t>
-            </a:r>
-            <a:r>
               <a:rPr lang="en-US" dirty="0"/>
-              <a:t>Pattern</a:t>
+              <a:t>Iterator Pattern</a:t>
             </a:r>
           </a:p>
           <a:p>
             <a:r>
               <a:rPr lang="en-US" dirty="0"/>
-              <a:t>Reverse Iterator Pattern</a:t>
+              <a:t>Reverse Iterator</a:t>
             </a:r>
           </a:p>
           <a:p>
             <a:r>
               <a:rPr lang="en-US" dirty="0"/>
-              <a:t>Sort Keys</a:t>
+              <a:t>Swapping items in a list</a:t>
             </a:r>
           </a:p>
           <a:p>
             <a:r>
               <a:rPr lang="en-US" dirty="0"/>
-              <a:t>Sort Values</a:t>
-            </a:r>
+              <a:t>Sort Keys </a:t>
+            </a:r>
+            <a:r>
+              <a:rPr lang="en-US"/>
+              <a:t>/ Sort Values</a:t>
+            </a:r>
+            <a:endParaRPr lang="en-US" dirty="0"/>
+          </a:p>
+          <a:p>
+            <a:endParaRPr lang="en-US" dirty="0"/>
           </a:p>
         </p:txBody>
       </p:sp>
